--- a/docs/Bob_the_bot.pptx
+++ b/docs/Bob_the_bot.pptx
@@ -262,7 +262,7 @@
           <a:p>
             <a:fld id="{FDA21194-9E4F-4C62-A0F9-1D0D86016CFE}" type="datetimeFigureOut">
               <a:rPr lang="ru-RU" smtClean="0"/>
-              <a:t>29.04.2022</a:t>
+              <a:t>10.05.2022</a:t>
             </a:fld>
             <a:endParaRPr lang="ru-RU"/>
           </a:p>
@@ -460,7 +460,7 @@
           <a:p>
             <a:fld id="{FDA21194-9E4F-4C62-A0F9-1D0D86016CFE}" type="datetimeFigureOut">
               <a:rPr lang="ru-RU" smtClean="0"/>
-              <a:t>29.04.2022</a:t>
+              <a:t>10.05.2022</a:t>
             </a:fld>
             <a:endParaRPr lang="ru-RU"/>
           </a:p>
@@ -668,7 +668,7 @@
           <a:p>
             <a:fld id="{FDA21194-9E4F-4C62-A0F9-1D0D86016CFE}" type="datetimeFigureOut">
               <a:rPr lang="ru-RU" smtClean="0"/>
-              <a:t>29.04.2022</a:t>
+              <a:t>10.05.2022</a:t>
             </a:fld>
             <a:endParaRPr lang="ru-RU"/>
           </a:p>
@@ -866,7 +866,7 @@
           <a:p>
             <a:fld id="{FDA21194-9E4F-4C62-A0F9-1D0D86016CFE}" type="datetimeFigureOut">
               <a:rPr lang="ru-RU" smtClean="0"/>
-              <a:t>29.04.2022</a:t>
+              <a:t>10.05.2022</a:t>
             </a:fld>
             <a:endParaRPr lang="ru-RU"/>
           </a:p>
@@ -1141,7 +1141,7 @@
           <a:p>
             <a:fld id="{FDA21194-9E4F-4C62-A0F9-1D0D86016CFE}" type="datetimeFigureOut">
               <a:rPr lang="ru-RU" smtClean="0"/>
-              <a:t>29.04.2022</a:t>
+              <a:t>10.05.2022</a:t>
             </a:fld>
             <a:endParaRPr lang="ru-RU"/>
           </a:p>
@@ -1406,7 +1406,7 @@
           <a:p>
             <a:fld id="{FDA21194-9E4F-4C62-A0F9-1D0D86016CFE}" type="datetimeFigureOut">
               <a:rPr lang="ru-RU" smtClean="0"/>
-              <a:t>29.04.2022</a:t>
+              <a:t>10.05.2022</a:t>
             </a:fld>
             <a:endParaRPr lang="ru-RU"/>
           </a:p>
@@ -1818,7 +1818,7 @@
           <a:p>
             <a:fld id="{FDA21194-9E4F-4C62-A0F9-1D0D86016CFE}" type="datetimeFigureOut">
               <a:rPr lang="ru-RU" smtClean="0"/>
-              <a:t>29.04.2022</a:t>
+              <a:t>10.05.2022</a:t>
             </a:fld>
             <a:endParaRPr lang="ru-RU"/>
           </a:p>
@@ -1959,7 +1959,7 @@
           <a:p>
             <a:fld id="{FDA21194-9E4F-4C62-A0F9-1D0D86016CFE}" type="datetimeFigureOut">
               <a:rPr lang="ru-RU" smtClean="0"/>
-              <a:t>29.04.2022</a:t>
+              <a:t>10.05.2022</a:t>
             </a:fld>
             <a:endParaRPr lang="ru-RU"/>
           </a:p>
@@ -2072,7 +2072,7 @@
           <a:p>
             <a:fld id="{FDA21194-9E4F-4C62-A0F9-1D0D86016CFE}" type="datetimeFigureOut">
               <a:rPr lang="ru-RU" smtClean="0"/>
-              <a:t>29.04.2022</a:t>
+              <a:t>10.05.2022</a:t>
             </a:fld>
             <a:endParaRPr lang="ru-RU"/>
           </a:p>
@@ -2383,7 +2383,7 @@
           <a:p>
             <a:fld id="{FDA21194-9E4F-4C62-A0F9-1D0D86016CFE}" type="datetimeFigureOut">
               <a:rPr lang="ru-RU" smtClean="0"/>
-              <a:t>29.04.2022</a:t>
+              <a:t>10.05.2022</a:t>
             </a:fld>
             <a:endParaRPr lang="ru-RU"/>
           </a:p>
@@ -2671,7 +2671,7 @@
           <a:p>
             <a:fld id="{FDA21194-9E4F-4C62-A0F9-1D0D86016CFE}" type="datetimeFigureOut">
               <a:rPr lang="ru-RU" smtClean="0"/>
-              <a:t>29.04.2022</a:t>
+              <a:t>10.05.2022</a:t>
             </a:fld>
             <a:endParaRPr lang="ru-RU"/>
           </a:p>
@@ -2912,7 +2912,7 @@
           <a:p>
             <a:fld id="{FDA21194-9E4F-4C62-A0F9-1D0D86016CFE}" type="datetimeFigureOut">
               <a:rPr lang="ru-RU" smtClean="0"/>
-              <a:t>29.04.2022</a:t>
+              <a:t>10.05.2022</a:t>
             </a:fld>
             <a:endParaRPr lang="ru-RU"/>
           </a:p>
@@ -4003,8 +4003,8 @@
         </p:nvSpPr>
         <p:spPr>
           <a:xfrm>
-            <a:off x="699670" y="3012144"/>
-            <a:ext cx="10983617" cy="3165162"/>
+            <a:off x="699671" y="3012144"/>
+            <a:ext cx="9441904" cy="2721964"/>
           </a:xfrm>
           <a:prstGeom prst="rect">
             <a:avLst/>
@@ -4064,24 +4064,6 @@
                 </a:solidFill>
               </a:rPr>
               <a:t>Каждый раз, когда человек выпил стакан воды, вышел на прогулку, спал 7-8 часов и т.п., он сообщает об этом Бобу, и его растение начинает расти.</a:t>
-            </a:r>
-          </a:p>
-          <a:p>
-            <a:pPr marL="457200" indent="-457200">
-              <a:lnSpc>
-                <a:spcPct val="120000"/>
-              </a:lnSpc>
-              <a:buFont typeface="Arial" panose="020B0604020202020204" pitchFamily="34" charset="0"/>
-              <a:buChar char="•"/>
-            </a:pPr>
-            <a:r>
-              <a:rPr lang="ru-RU" sz="2400" b="0" i="0" dirty="0">
-                <a:solidFill>
-                  <a:srgbClr val="156541"/>
-                </a:solidFill>
-                <a:effectLst/>
-              </a:rPr>
-              <a:t>С каждым выращенным растением пользователь получит очки, которые сможет потратить на новые виды растений.</a:t>
             </a:r>
           </a:p>
           <a:p>
